--- a/ELpart2.pptx
+++ b/ELpart2.pptx
@@ -695,73 +695,13 @@
           <p:cNvPr id="8" name="Shape 8"/>
           <p:cNvSpPr txBox="1"/>
           <p:nvPr>
-            <p:ph type="ctrTitle"/>
-          </p:nvPr>
-        </p:nvSpPr>
-        <p:spPr>
-          <a:xfrm>
-            <a:off y="2111123" x="685800"/>
-            <a:ext cy="1546474" cx="7772400"/>
-          </a:xfrm>
-          <a:prstGeom prst="rect">
-            <a:avLst/>
-          </a:prstGeom>
-        </p:spPr>
-        <p:txBody>
-          <a:bodyPr bIns="91425" rIns="91425" lIns="91425" tIns="91425" anchor="b" anchorCtr="0"/>
-          <a:lstStyle>
-            <a:lvl1pPr algn="ctr" indent="304800">
-              <a:buSzPct val="100000"/>
-              <a:defRPr sz="4800"/>
-            </a:lvl1pPr>
-            <a:lvl2pPr algn="ctr" indent="304800">
-              <a:buSzPct val="100000"/>
-              <a:defRPr sz="4800"/>
-            </a:lvl2pPr>
-            <a:lvl3pPr algn="ctr" indent="304800">
-              <a:buSzPct val="100000"/>
-              <a:defRPr sz="4800"/>
-            </a:lvl3pPr>
-            <a:lvl4pPr algn="ctr" indent="304800">
-              <a:buSzPct val="100000"/>
-              <a:defRPr sz="4800"/>
-            </a:lvl4pPr>
-            <a:lvl5pPr algn="ctr" indent="304800">
-              <a:buSzPct val="100000"/>
-              <a:defRPr sz="4800"/>
-            </a:lvl5pPr>
-            <a:lvl6pPr algn="ctr" indent="304800">
-              <a:buSzPct val="100000"/>
-              <a:defRPr sz="4800"/>
-            </a:lvl6pPr>
-            <a:lvl7pPr algn="ctr" indent="304800">
-              <a:buSzPct val="100000"/>
-              <a:defRPr sz="4800"/>
-            </a:lvl7pPr>
-            <a:lvl8pPr algn="ctr" indent="304800">
-              <a:buSzPct val="100000"/>
-              <a:defRPr sz="4800"/>
-            </a:lvl8pPr>
-            <a:lvl9pPr algn="ctr" indent="304800">
-              <a:buSzPct val="100000"/>
-              <a:defRPr sz="4800"/>
-            </a:lvl9pPr>
-          </a:lstStyle>
-          <a:p/>
-        </p:txBody>
-      </p:sp>
-      <p:sp>
-        <p:nvSpPr>
-          <p:cNvPr id="9" name="Shape 9"/>
-          <p:cNvSpPr txBox="1"/>
-          <p:nvPr>
             <p:ph idx="1" type="subTitle"/>
           </p:nvPr>
         </p:nvSpPr>
         <p:spPr>
           <a:xfrm>
             <a:off y="3786737" x="685800"/>
-            <a:ext cy="1046317" cx="7772400"/>
+            <a:ext cy="1046400" cx="7772400"/>
           </a:xfrm>
           <a:prstGeom prst="rect">
             <a:avLst/>
@@ -775,12 +715,12 @@
                 <a:spcPts val="0"/>
               </a:spcBef>
               <a:buClr>
-                <a:schemeClr val="dk2"/>
+                <a:schemeClr val="lt2"/>
               </a:buClr>
               <a:buNone/>
               <a:defRPr>
                 <a:solidFill>
-                  <a:schemeClr val="dk2"/>
+                  <a:schemeClr val="lt2"/>
                 </a:solidFill>
               </a:defRPr>
             </a:lvl1pPr>
@@ -789,13 +729,13 @@
                 <a:spcPts val="0"/>
               </a:spcBef>
               <a:buClr>
-                <a:schemeClr val="dk2"/>
+                <a:schemeClr val="lt2"/>
               </a:buClr>
               <a:buSzPct val="100000"/>
               <a:buNone/>
               <a:defRPr sz="3000">
                 <a:solidFill>
-                  <a:schemeClr val="dk2"/>
+                  <a:schemeClr val="lt2"/>
                 </a:solidFill>
               </a:defRPr>
             </a:lvl2pPr>
@@ -804,13 +744,13 @@
                 <a:spcPts val="0"/>
               </a:spcBef>
               <a:buClr>
-                <a:schemeClr val="dk2"/>
+                <a:schemeClr val="lt2"/>
               </a:buClr>
               <a:buSzPct val="100000"/>
               <a:buNone/>
               <a:defRPr sz="3000">
                 <a:solidFill>
-                  <a:schemeClr val="dk2"/>
+                  <a:schemeClr val="lt2"/>
                 </a:solidFill>
               </a:defRPr>
             </a:lvl3pPr>
@@ -819,13 +759,13 @@
                 <a:spcPts val="0"/>
               </a:spcBef>
               <a:buClr>
-                <a:schemeClr val="dk2"/>
+                <a:schemeClr val="lt2"/>
               </a:buClr>
               <a:buSzPct val="100000"/>
               <a:buNone/>
               <a:defRPr sz="3000">
                 <a:solidFill>
-                  <a:schemeClr val="dk2"/>
+                  <a:schemeClr val="lt2"/>
                 </a:solidFill>
               </a:defRPr>
             </a:lvl4pPr>
@@ -834,13 +774,13 @@
                 <a:spcPts val="0"/>
               </a:spcBef>
               <a:buClr>
-                <a:schemeClr val="dk2"/>
+                <a:schemeClr val="lt2"/>
               </a:buClr>
               <a:buSzPct val="100000"/>
               <a:buNone/>
               <a:defRPr sz="3000">
                 <a:solidFill>
-                  <a:schemeClr val="dk2"/>
+                  <a:schemeClr val="lt2"/>
                 </a:solidFill>
               </a:defRPr>
             </a:lvl5pPr>
@@ -849,13 +789,13 @@
                 <a:spcPts val="0"/>
               </a:spcBef>
               <a:buClr>
-                <a:schemeClr val="dk2"/>
+                <a:schemeClr val="lt2"/>
               </a:buClr>
               <a:buSzPct val="100000"/>
               <a:buNone/>
               <a:defRPr sz="3000">
                 <a:solidFill>
-                  <a:schemeClr val="dk2"/>
+                  <a:schemeClr val="lt2"/>
                 </a:solidFill>
               </a:defRPr>
             </a:lvl6pPr>
@@ -864,13 +804,13 @@
                 <a:spcPts val="0"/>
               </a:spcBef>
               <a:buClr>
-                <a:schemeClr val="dk2"/>
+                <a:schemeClr val="lt2"/>
               </a:buClr>
               <a:buSzPct val="100000"/>
               <a:buNone/>
               <a:defRPr sz="3000">
                 <a:solidFill>
-                  <a:schemeClr val="dk2"/>
+                  <a:schemeClr val="lt2"/>
                 </a:solidFill>
               </a:defRPr>
             </a:lvl7pPr>
@@ -879,13 +819,13 @@
                 <a:spcPts val="0"/>
               </a:spcBef>
               <a:buClr>
-                <a:schemeClr val="dk2"/>
+                <a:schemeClr val="lt2"/>
               </a:buClr>
               <a:buSzPct val="100000"/>
               <a:buNone/>
               <a:defRPr sz="3000">
                 <a:solidFill>
-                  <a:schemeClr val="dk2"/>
+                  <a:schemeClr val="lt2"/>
                 </a:solidFill>
               </a:defRPr>
             </a:lvl8pPr>
@@ -894,15 +834,75 @@
                 <a:spcPts val="0"/>
               </a:spcBef>
               <a:buClr>
-                <a:schemeClr val="dk2"/>
+                <a:schemeClr val="lt2"/>
               </a:buClr>
               <a:buSzPct val="100000"/>
               <a:buNone/>
               <a:defRPr sz="3000">
                 <a:solidFill>
-                  <a:schemeClr val="dk2"/>
+                  <a:schemeClr val="lt2"/>
                 </a:solidFill>
               </a:defRPr>
+            </a:lvl9pPr>
+          </a:lstStyle>
+          <a:p/>
+        </p:txBody>
+      </p:sp>
+      <p:sp>
+        <p:nvSpPr>
+          <p:cNvPr id="9" name="Shape 9"/>
+          <p:cNvSpPr txBox="1"/>
+          <p:nvPr>
+            <p:ph type="ctrTitle"/>
+          </p:nvPr>
+        </p:nvSpPr>
+        <p:spPr>
+          <a:xfrm>
+            <a:off y="2111123" x="685800"/>
+            <a:ext cy="1546500" cx="7772400"/>
+          </a:xfrm>
+          <a:prstGeom prst="rect">
+            <a:avLst/>
+          </a:prstGeom>
+        </p:spPr>
+        <p:txBody>
+          <a:bodyPr bIns="91425" rIns="91425" lIns="91425" tIns="91425" anchor="b" anchorCtr="0"/>
+          <a:lstStyle>
+            <a:lvl1pPr algn="ctr" indent="304800">
+              <a:buSzPct val="100000"/>
+              <a:defRPr sz="4800"/>
+            </a:lvl1pPr>
+            <a:lvl2pPr algn="ctr" indent="304800">
+              <a:buSzPct val="100000"/>
+              <a:defRPr sz="4800"/>
+            </a:lvl2pPr>
+            <a:lvl3pPr algn="ctr" indent="304800">
+              <a:buSzPct val="100000"/>
+              <a:defRPr sz="4800"/>
+            </a:lvl3pPr>
+            <a:lvl4pPr algn="ctr" indent="304800">
+              <a:buSzPct val="100000"/>
+              <a:defRPr sz="4800"/>
+            </a:lvl4pPr>
+            <a:lvl5pPr algn="ctr" indent="304800">
+              <a:buSzPct val="100000"/>
+              <a:defRPr sz="4800"/>
+            </a:lvl5pPr>
+            <a:lvl6pPr algn="ctr" indent="304800">
+              <a:buSzPct val="100000"/>
+              <a:defRPr sz="4800"/>
+            </a:lvl6pPr>
+            <a:lvl7pPr algn="ctr" indent="304800">
+              <a:buSzPct val="100000"/>
+              <a:defRPr sz="4800"/>
+            </a:lvl7pPr>
+            <a:lvl8pPr algn="ctr" indent="304800">
+              <a:buSzPct val="100000"/>
+              <a:defRPr sz="4800"/>
+            </a:lvl8pPr>
+            <a:lvl9pPr algn="ctr" indent="304800">
+              <a:buSzPct val="100000"/>
+              <a:defRPr sz="4800"/>
             </a:lvl9pPr>
           </a:lstStyle>
           <a:p/>
@@ -995,7 +995,7 @@
         <p:spPr>
           <a:xfrm>
             <a:off y="1600200" x="457200"/>
-            <a:ext cy="4967574" cx="8229600"/>
+            <a:ext cy="4967700" cx="8229600"/>
           </a:xfrm>
           <a:prstGeom prst="rect">
             <a:avLst/>
@@ -1007,13 +1007,13 @@
             <a:lvl1pPr>
               <a:defRPr/>
             </a:lvl1pPr>
-            <a:lvl2pPr indent="457200">
+            <a:lvl2pPr>
               <a:defRPr/>
             </a:lvl2pPr>
-            <a:lvl3pPr indent="914400">
+            <a:lvl3pPr>
               <a:defRPr/>
             </a:lvl3pPr>
-            <a:lvl4pPr indent="1371600">
+            <a:lvl4pPr>
               <a:defRPr/>
             </a:lvl4pPr>
             <a:lvl5pPr>
@@ -1122,7 +1122,7 @@
         <p:spPr>
           <a:xfrm>
             <a:off y="1600200" x="457200"/>
-            <a:ext cy="4967574" cx="3994525"/>
+            <a:ext cy="4967700" cx="3994500"/>
           </a:xfrm>
           <a:prstGeom prst="rect">
             <a:avLst/>
@@ -1173,7 +1173,7 @@
         <p:spPr>
           <a:xfrm>
             <a:off y="1600200" x="4692273"/>
-            <a:ext cy="4967574" cx="3994525"/>
+            <a:ext cy="4967700" cx="3994500"/>
           </a:xfrm>
           <a:prstGeom prst="rect">
             <a:avLst/>
@@ -1325,7 +1325,7 @@
         <p:spPr>
           <a:xfrm>
             <a:off y="5875078" x="457200"/>
-            <a:ext cy="692693" cx="8229600"/>
+            <a:ext cy="692700" cx="8229600"/>
           </a:xfrm>
           <a:prstGeom prst="rect">
             <a:avLst/>
@@ -1336,7 +1336,7 @@
           <a:lstStyle>
             <a:lvl1pPr algn="ctr" indent="-171450" marL="285750">
               <a:spcBef>
-                <a:spcPts val="360"/>
+                <a:spcPts val="0"/>
               </a:spcBef>
               <a:buSzPct val="100000"/>
               <a:buNone/>
@@ -1384,9 +1384,20 @@
   <p:cSld>
     <p:bg>
       <p:bgPr>
-        <a:solidFill>
-          <a:schemeClr val="lt1"/>
-        </a:solidFill>
+        <a:gradFill>
+          <a:gsLst>
+            <a:gs pos="0">
+              <a:schemeClr val="dk2"/>
+            </a:gs>
+            <a:gs pos="100000">
+              <a:schemeClr val="dk1"/>
+            </a:gs>
+          </a:gsLst>
+          <a:path path="circle">
+            <a:fillToRect t="50%" b="50%" r="50%" l="50%"/>
+          </a:path>
+          <a:tileRect/>
+        </a:gradFill>
       </p:bgPr>
     </p:bg>
     <p:spTree>
@@ -1425,109 +1436,109 @@
           <a:lstStyle>
             <a:lvl1pPr marL="0">
               <a:buClr>
-                <a:schemeClr val="dk1"/>
+                <a:schemeClr val="lt1"/>
               </a:buClr>
               <a:buSzPct val="100000"/>
               <a:buNone/>
               <a:defRPr b="1" sz="3600">
                 <a:solidFill>
-                  <a:schemeClr val="dk1"/>
+                  <a:schemeClr val="lt1"/>
                 </a:solidFill>
               </a:defRPr>
             </a:lvl1pPr>
             <a:lvl2pPr indent="228600" marL="0">
               <a:buClr>
-                <a:schemeClr val="dk1"/>
+                <a:schemeClr val="lt1"/>
               </a:buClr>
               <a:buSzPct val="100000"/>
               <a:buNone/>
               <a:defRPr b="1" sz="3600">
                 <a:solidFill>
-                  <a:schemeClr val="dk1"/>
+                  <a:schemeClr val="lt1"/>
                 </a:solidFill>
               </a:defRPr>
             </a:lvl2pPr>
             <a:lvl3pPr indent="228600" marL="0">
               <a:buClr>
-                <a:schemeClr val="dk1"/>
+                <a:schemeClr val="lt1"/>
               </a:buClr>
               <a:buSzPct val="100000"/>
               <a:buNone/>
               <a:defRPr b="1" sz="3600">
                 <a:solidFill>
-                  <a:schemeClr val="dk1"/>
+                  <a:schemeClr val="lt1"/>
                 </a:solidFill>
               </a:defRPr>
             </a:lvl3pPr>
             <a:lvl4pPr indent="228600" marL="0">
               <a:buClr>
-                <a:schemeClr val="dk1"/>
+                <a:schemeClr val="lt1"/>
               </a:buClr>
               <a:buSzPct val="100000"/>
               <a:buNone/>
               <a:defRPr b="1" sz="3600">
                 <a:solidFill>
-                  <a:schemeClr val="dk1"/>
+                  <a:schemeClr val="lt1"/>
                 </a:solidFill>
               </a:defRPr>
             </a:lvl4pPr>
             <a:lvl5pPr indent="228600" marL="0">
               <a:buClr>
-                <a:schemeClr val="dk1"/>
+                <a:schemeClr val="lt1"/>
               </a:buClr>
               <a:buSzPct val="100000"/>
               <a:buNone/>
               <a:defRPr b="1" sz="3600">
                 <a:solidFill>
-                  <a:schemeClr val="dk1"/>
+                  <a:schemeClr val="lt1"/>
                 </a:solidFill>
               </a:defRPr>
             </a:lvl5pPr>
             <a:lvl6pPr indent="228600" marL="0">
               <a:buClr>
-                <a:schemeClr val="dk1"/>
+                <a:schemeClr val="lt1"/>
               </a:buClr>
               <a:buSzPct val="100000"/>
               <a:buNone/>
               <a:defRPr b="1" sz="3600">
                 <a:solidFill>
-                  <a:schemeClr val="dk1"/>
+                  <a:schemeClr val="lt1"/>
                 </a:solidFill>
               </a:defRPr>
             </a:lvl6pPr>
             <a:lvl7pPr indent="228600" marL="0">
               <a:buClr>
-                <a:schemeClr val="dk1"/>
+                <a:schemeClr val="lt1"/>
               </a:buClr>
               <a:buSzPct val="100000"/>
               <a:buNone/>
               <a:defRPr b="1" sz="3600">
                 <a:solidFill>
-                  <a:schemeClr val="dk1"/>
+                  <a:schemeClr val="lt1"/>
                 </a:solidFill>
               </a:defRPr>
             </a:lvl7pPr>
             <a:lvl8pPr indent="228600" marL="0">
               <a:buClr>
-                <a:schemeClr val="dk1"/>
+                <a:schemeClr val="lt1"/>
               </a:buClr>
               <a:buSzPct val="100000"/>
               <a:buNone/>
               <a:defRPr b="1" sz="3600">
                 <a:solidFill>
-                  <a:schemeClr val="dk1"/>
+                  <a:schemeClr val="lt1"/>
                 </a:solidFill>
               </a:defRPr>
             </a:lvl8pPr>
             <a:lvl9pPr indent="228600" marL="0">
               <a:buClr>
-                <a:schemeClr val="dk1"/>
+                <a:schemeClr val="lt1"/>
               </a:buClr>
               <a:buSzPct val="100000"/>
               <a:buNone/>
               <a:defRPr b="1" sz="3600">
                 <a:solidFill>
-                  <a:schemeClr val="dk1"/>
+                  <a:schemeClr val="lt1"/>
                 </a:solidFill>
               </a:defRPr>
             </a:lvl9pPr>
@@ -1546,7 +1557,7 @@
         <p:spPr>
           <a:xfrm>
             <a:off y="1600200" x="457200"/>
-            <a:ext cy="4967574" cx="8229600"/>
+            <a:ext cy="4967700" cx="8229600"/>
           </a:xfrm>
           <a:prstGeom prst="rect">
             <a:avLst/>
@@ -1560,12 +1571,12 @@
                 <a:spcPts val="600"/>
               </a:spcBef>
               <a:buClr>
-                <a:schemeClr val="dk1"/>
+                <a:schemeClr val="lt1"/>
               </a:buClr>
               <a:buSzPct val="100000"/>
               <a:defRPr sz="3000">
                 <a:solidFill>
-                  <a:schemeClr val="dk1"/>
+                  <a:schemeClr val="lt1"/>
                 </a:solidFill>
               </a:defRPr>
             </a:lvl1pPr>
@@ -1574,12 +1585,12 @@
                 <a:spcPts val="480"/>
               </a:spcBef>
               <a:buClr>
-                <a:schemeClr val="dk1"/>
+                <a:schemeClr val="lt1"/>
               </a:buClr>
               <a:buSzPct val="100000"/>
               <a:defRPr sz="2400">
                 <a:solidFill>
-                  <a:schemeClr val="dk1"/>
+                  <a:schemeClr val="lt1"/>
                 </a:solidFill>
               </a:defRPr>
             </a:lvl2pPr>
@@ -1588,12 +1599,12 @@
                 <a:spcPts val="480"/>
               </a:spcBef>
               <a:buClr>
-                <a:schemeClr val="dk1"/>
+                <a:schemeClr val="lt1"/>
               </a:buClr>
               <a:buSzPct val="100000"/>
               <a:defRPr sz="2400">
                 <a:solidFill>
-                  <a:schemeClr val="dk1"/>
+                  <a:schemeClr val="lt1"/>
                 </a:solidFill>
               </a:defRPr>
             </a:lvl3pPr>
@@ -1602,12 +1613,12 @@
                 <a:spcPts val="360"/>
               </a:spcBef>
               <a:buClr>
-                <a:schemeClr val="dk1"/>
+                <a:schemeClr val="lt1"/>
               </a:buClr>
               <a:buSzPct val="100000"/>
               <a:defRPr sz="1800">
                 <a:solidFill>
-                  <a:schemeClr val="dk1"/>
+                  <a:schemeClr val="lt1"/>
                 </a:solidFill>
               </a:defRPr>
             </a:lvl4pPr>
@@ -1616,12 +1627,12 @@
                 <a:spcPts val="360"/>
               </a:spcBef>
               <a:buClr>
-                <a:schemeClr val="dk1"/>
+                <a:schemeClr val="lt1"/>
               </a:buClr>
               <a:buSzPct val="100000"/>
               <a:defRPr sz="1800">
                 <a:solidFill>
-                  <a:schemeClr val="dk1"/>
+                  <a:schemeClr val="lt1"/>
                 </a:solidFill>
               </a:defRPr>
             </a:lvl5pPr>
@@ -1630,12 +1641,12 @@
                 <a:spcPts val="360"/>
               </a:spcBef>
               <a:buClr>
-                <a:schemeClr val="dk1"/>
+                <a:schemeClr val="lt1"/>
               </a:buClr>
               <a:buSzPct val="100000"/>
               <a:defRPr sz="1800">
                 <a:solidFill>
-                  <a:schemeClr val="dk1"/>
+                  <a:schemeClr val="lt1"/>
                 </a:solidFill>
               </a:defRPr>
             </a:lvl6pPr>
@@ -1644,12 +1655,12 @@
                 <a:spcPts val="360"/>
               </a:spcBef>
               <a:buClr>
-                <a:schemeClr val="dk1"/>
+                <a:schemeClr val="lt1"/>
               </a:buClr>
               <a:buSzPct val="100000"/>
               <a:defRPr sz="1800">
                 <a:solidFill>
-                  <a:schemeClr val="dk1"/>
+                  <a:schemeClr val="lt1"/>
                 </a:solidFill>
               </a:defRPr>
             </a:lvl7pPr>
@@ -1658,12 +1669,12 @@
                 <a:spcPts val="360"/>
               </a:spcBef>
               <a:buClr>
-                <a:schemeClr val="dk1"/>
+                <a:schemeClr val="lt1"/>
               </a:buClr>
               <a:buSzPct val="100000"/>
               <a:defRPr sz="1800">
                 <a:solidFill>
-                  <a:schemeClr val="dk1"/>
+                  <a:schemeClr val="lt1"/>
                 </a:solidFill>
               </a:defRPr>
             </a:lvl8pPr>
@@ -1672,12 +1683,12 @@
                 <a:spcPts val="360"/>
               </a:spcBef>
               <a:buClr>
-                <a:schemeClr val="dk1"/>
+                <a:schemeClr val="lt1"/>
               </a:buClr>
               <a:buSzPct val="100000"/>
               <a:defRPr sz="1800">
                 <a:solidFill>
-                  <a:schemeClr val="dk1"/>
+                  <a:schemeClr val="lt1"/>
                 </a:solidFill>
               </a:defRPr>
             </a:lvl9pPr>
@@ -2208,7 +2219,7 @@
         <p:spPr>
           <a:xfrm>
             <a:off y="2111123" x="685800"/>
-            <a:ext cy="1546474" cx="7772400"/>
+            <a:ext cy="1546500" cx="7772400"/>
           </a:xfrm>
           <a:prstGeom prst="rect">
             <a:avLst/>
@@ -2241,7 +2252,7 @@
         <p:spPr>
           <a:xfrm>
             <a:off y="3786737" x="685800"/>
-            <a:ext cy="1046317" cx="7772400"/>
+            <a:ext cy="1046400" cx="7772400"/>
           </a:xfrm>
           <a:prstGeom prst="rect">
             <a:avLst/>
@@ -2332,7 +2343,7 @@
         </p:nvSpPr>
         <p:spPr>
           <a:xfrm>
-            <a:off y="274637" x="457200"/>
+            <a:off y="350837" x="457200"/>
             <a:ext cy="1143000" cx="8229600"/>
           </a:xfrm>
           <a:prstGeom prst="rect">
@@ -2380,7 +2391,7 @@
           <a:p>
             <a:pPr rtl="0" lvl="0" indent="-457200" marL="457200">
               <a:buClr>
-                <a:schemeClr val="dk1"/>
+                <a:schemeClr val="lt1"/>
               </a:buClr>
               <a:buSzPct val="100000"/>
               <a:buFont typeface="Arial"/>
@@ -2388,27 +2399,13 @@
             </a:pPr>
             <a:r>
               <a:rPr sz="3600" lang="en"/>
-              <a:t>Installed</a:t>
+              <a:t>Server module running</a:t>
             </a:r>
           </a:p>
           <a:p>
             <a:pPr rtl="0" lvl="0" indent="-457200" marL="457200">
               <a:buClr>
-                <a:schemeClr val="dk1"/>
-              </a:buClr>
-              <a:buSzPct val="100000"/>
-              <a:buFont typeface="Arial"/>
-              <a:buChar char="●"/>
-            </a:pPr>
-            <a:r>
-              <a:rPr sz="3600" lang="en"/>
-              <a:t>Running with a simple hello world</a:t>
-            </a:r>
-          </a:p>
-          <a:p>
-            <a:pPr rtl="0" lvl="0" indent="-457200" marL="457200">
-              <a:buClr>
-                <a:schemeClr val="dk1"/>
+                <a:schemeClr val="lt1"/>
               </a:buClr>
               <a:buSzPct val="100000"/>
               <a:buFont typeface="Arial"/>
@@ -2422,7 +2419,7 @@
           <a:p>
             <a:pPr rtl="0" lvl="1" indent="-457200" marL="914400">
               <a:buClr>
-                <a:schemeClr val="dk1"/>
+                <a:schemeClr val="lt1"/>
               </a:buClr>
               <a:buSzPct val="100000"/>
               <a:buFont typeface="Arial"/>
@@ -2446,7 +2443,7 @@
           <a:p>
             <a:pPr rtl="0" lvl="0" indent="-457200" marL="457200">
               <a:buClr>
-                <a:schemeClr val="dk1"/>
+                <a:schemeClr val="lt1"/>
               </a:buClr>
               <a:buSzPct val="100000"/>
               <a:buFont typeface="Arial"/>
@@ -2454,7 +2451,21 @@
             </a:pPr>
             <a:r>
               <a:rPr sz="3600" lang="en"/>
-              <a:t>Next: Set up a simple web page. Generate faux data for DB.</a:t>
+              <a:t>Next: Figure out how to connect to mongoDB</a:t>
+            </a:r>
+          </a:p>
+          <a:p>
+            <a:pPr rtl="0" lvl="0" indent="-457200" marL="457200">
+              <a:buClr>
+                <a:schemeClr val="lt1"/>
+              </a:buClr>
+              <a:buSzPct val="100000"/>
+              <a:buFont typeface="Arial"/>
+              <a:buChar char="➔"/>
+            </a:pPr>
+            <a:r>
+              <a:rPr sz="3600" lang="en"/>
+              <a:t>Data file?</a:t>
             </a:r>
           </a:p>
           <a:p>
@@ -2550,7 +2561,7 @@
           <a:p>
             <a:pPr rtl="0" lvl="0" indent="-457200" marL="457200">
               <a:buClr>
-                <a:schemeClr val="dk1"/>
+                <a:schemeClr val="lt1"/>
               </a:buClr>
               <a:buSzPct val="100000"/>
               <a:buFont typeface="Arial"/>
@@ -2558,13 +2569,13 @@
             </a:pPr>
             <a:r>
               <a:rPr sz="3600" lang="en"/>
-              <a:t>Took two days build and install.</a:t>
+              <a:t>“ELdb” is ready</a:t>
             </a:r>
           </a:p>
           <a:p>
             <a:pPr rtl="0" lvl="0" indent="-457200" marL="457200">
               <a:buClr>
-                <a:schemeClr val="dk1"/>
+                <a:schemeClr val="lt1"/>
               </a:buClr>
               <a:buSzPct val="100000"/>
               <a:buFont typeface="Arial"/>
@@ -2582,34 +2593,6 @@
             <a:r>
               <a:rPr sz="3600" lang="en"/>
               <a:t> </a:t>
-            </a:r>
-          </a:p>
-          <a:p>
-            <a:r>
-              <a:t/>
-            </a:r>
-          </a:p>
-          <a:p>
-            <a:pPr rtl="0" lvl="0" indent="-457200" marL="457200">
-              <a:buClr>
-                <a:schemeClr val="dk1"/>
-              </a:buClr>
-              <a:buSzPct val="100000"/>
-              <a:buFont typeface="Arial"/>
-              <a:buChar char="➔"/>
-            </a:pPr>
-            <a:r>
-              <a:rPr sz="3600" lang="en"/>
-              <a:t>Next: Setup the database </a:t>
-            </a:r>
-          </a:p>
-          <a:p>
-            <a:pPr rtl="0" lvl="0" indent="457200" marL="457200">
-              <a:buNone/>
-            </a:pPr>
-            <a:r>
-              <a:rPr sz="3600" lang="en"/>
-              <a:t>to receive data.</a:t>
             </a:r>
           </a:p>
         </p:txBody>
@@ -2700,7 +2683,7 @@
           <a:p>
             <a:pPr rtl="0" lvl="0" indent="-457200" marL="457200">
               <a:buClr>
-                <a:schemeClr val="dk1"/>
+                <a:schemeClr val="lt1"/>
               </a:buClr>
               <a:buSzPct val="100000"/>
               <a:buFont typeface="Arial"/>
@@ -2708,13 +2691,13 @@
             </a:pPr>
             <a:r>
               <a:rPr sz="3600" lang="en"/>
-              <a:t>Getting node.js to install</a:t>
+              <a:t>Errors when installing Node.js and MongoDB</a:t>
             </a:r>
           </a:p>
           <a:p>
             <a:pPr rtl="0" lvl="0" indent="-457200" marL="457200">
               <a:buClr>
-                <a:schemeClr val="dk1"/>
+                <a:schemeClr val="lt1"/>
               </a:buClr>
               <a:buSzPct val="100000"/>
               <a:buFont typeface="Arial"/>
@@ -2722,13 +2705,13 @@
             </a:pPr>
             <a:r>
               <a:rPr sz="3600" lang="en"/>
-              <a:t>Getting the node.js server to run</a:t>
+              <a:t>Installing MongoDB took two evenings to build and install</a:t>
             </a:r>
           </a:p>
           <a:p>
-            <a:pPr lvl="0" indent="-457200" marL="457200">
+            <a:pPr rtl="0" lvl="0" indent="-457200" marL="457200">
               <a:buClr>
-                <a:schemeClr val="dk1"/>
+                <a:schemeClr val="lt1"/>
               </a:buClr>
               <a:buSzPct val="100000"/>
               <a:buFont typeface="Arial"/>
@@ -2736,7 +2719,12 @@
             </a:pPr>
             <a:r>
               <a:rPr sz="3600" lang="en"/>
-              <a:t>Installing MongoDB took two days to build and install</a:t>
+              <a:t>MongoDB - thought I was getting another error when running ./mongod, but it was just a process that needed to run in the background</a:t>
+            </a:r>
+          </a:p>
+          <a:p>
+            <a:r>
+              <a:t/>
             </a:r>
           </a:p>
         </p:txBody>
@@ -3348,9 +3336,9 @@
 </file>
 
 <file path=ppt/theme/theme3.xml><?xml version="1.0" encoding="utf-8"?>
-<a:theme xmlns:a="http://schemas.openxmlformats.org/drawingml/2006/main" xmlns:r="http://schemas.openxmlformats.org/officeDocument/2006/relationships" name="simple-light">
+<a:theme xmlns:a="http://schemas.openxmlformats.org/drawingml/2006/main" xmlns:r="http://schemas.openxmlformats.org/officeDocument/2006/relationships" name="dark-gradient">
   <a:themeElements>
-    <a:clrScheme name="Custom 347">
+    <a:clrScheme name="Custom 346">
       <a:dk1>
         <a:srgbClr val="000000"/>
       </a:dk1>
@@ -3358,34 +3346,34 @@
         <a:srgbClr val="FFFFFF"/>
       </a:lt1>
       <a:dk2>
-        <a:srgbClr val="666666"/>
+        <a:srgbClr val="4C4C4C"/>
       </a:dk2>
       <a:lt2>
         <a:srgbClr val="CCCCCC"/>
       </a:lt2>
       <a:accent1>
-        <a:srgbClr val="3A81BA"/>
+        <a:srgbClr val="89B4B8"/>
       </a:accent1>
       <a:accent2>
-        <a:srgbClr val="D89F39"/>
+        <a:srgbClr val="AFA6CA"/>
       </a:accent2>
       <a:accent3>
-        <a:srgbClr val="8BAB42"/>
+        <a:srgbClr val="A5B492"/>
       </a:accent3>
       <a:accent4>
-        <a:srgbClr val="57A7B5"/>
+        <a:srgbClr val="E8CD6D"/>
       </a:accent4>
       <a:accent5>
-        <a:srgbClr val="8B81D2"/>
+        <a:srgbClr val="F4A447"/>
       </a:accent5>
       <a:accent6>
-        <a:srgbClr val="963334"/>
+        <a:srgbClr val="D09D94"/>
       </a:accent6>
       <a:hlink>
-        <a:srgbClr val="1155CC"/>
+        <a:srgbClr val="5EA7AA"/>
       </a:hlink>
       <a:folHlink>
-        <a:srgbClr val="6611CC"/>
+        <a:srgbClr val="A295BE"/>
       </a:folHlink>
     </a:clrScheme>
     <a:fontScheme name="Office">
